--- a/Lecture- Slides/Lecture06.pptx
+++ b/Lecture- Slides/Lecture06.pptx
@@ -250,7 +250,7 @@
           <a:p>
             <a:fld id="{BEAF3131-2AB6-4B60-9FCF-7135CEFCF1B1}" type="datetimeFigureOut">
               <a:rPr lang="en-US" smtClean="0"/>
-              <a:t>4/7/2022</a:t>
+              <a:t>5/15/2023</a:t>
             </a:fld>
             <a:endParaRPr lang="en-US"/>
           </a:p>
@@ -420,7 +420,7 @@
           <a:p>
             <a:fld id="{BEAF3131-2AB6-4B60-9FCF-7135CEFCF1B1}" type="datetimeFigureOut">
               <a:rPr lang="en-US" smtClean="0"/>
-              <a:t>4/7/2022</a:t>
+              <a:t>5/15/2023</a:t>
             </a:fld>
             <a:endParaRPr lang="en-US"/>
           </a:p>
@@ -600,7 +600,7 @@
           <a:p>
             <a:fld id="{BEAF3131-2AB6-4B60-9FCF-7135CEFCF1B1}" type="datetimeFigureOut">
               <a:rPr lang="en-US" smtClean="0"/>
-              <a:t>4/7/2022</a:t>
+              <a:t>5/15/2023</a:t>
             </a:fld>
             <a:endParaRPr lang="en-US"/>
           </a:p>
@@ -770,7 +770,7 @@
           <a:p>
             <a:fld id="{BEAF3131-2AB6-4B60-9FCF-7135CEFCF1B1}" type="datetimeFigureOut">
               <a:rPr lang="en-US" smtClean="0"/>
-              <a:t>4/7/2022</a:t>
+              <a:t>5/15/2023</a:t>
             </a:fld>
             <a:endParaRPr lang="en-US"/>
           </a:p>
@@ -1016,7 +1016,7 @@
           <a:p>
             <a:fld id="{BEAF3131-2AB6-4B60-9FCF-7135CEFCF1B1}" type="datetimeFigureOut">
               <a:rPr lang="en-US" smtClean="0"/>
-              <a:t>4/7/2022</a:t>
+              <a:t>5/15/2023</a:t>
             </a:fld>
             <a:endParaRPr lang="en-US"/>
           </a:p>
@@ -1248,7 +1248,7 @@
           <a:p>
             <a:fld id="{BEAF3131-2AB6-4B60-9FCF-7135CEFCF1B1}" type="datetimeFigureOut">
               <a:rPr lang="en-US" smtClean="0"/>
-              <a:t>4/7/2022</a:t>
+              <a:t>5/15/2023</a:t>
             </a:fld>
             <a:endParaRPr lang="en-US"/>
           </a:p>
@@ -1615,7 +1615,7 @@
           <a:p>
             <a:fld id="{BEAF3131-2AB6-4B60-9FCF-7135CEFCF1B1}" type="datetimeFigureOut">
               <a:rPr lang="en-US" smtClean="0"/>
-              <a:t>4/7/2022</a:t>
+              <a:t>5/15/2023</a:t>
             </a:fld>
             <a:endParaRPr lang="en-US"/>
           </a:p>
@@ -1733,7 +1733,7 @@
           <a:p>
             <a:fld id="{BEAF3131-2AB6-4B60-9FCF-7135CEFCF1B1}" type="datetimeFigureOut">
               <a:rPr lang="en-US" smtClean="0"/>
-              <a:t>4/7/2022</a:t>
+              <a:t>5/15/2023</a:t>
             </a:fld>
             <a:endParaRPr lang="en-US"/>
           </a:p>
@@ -1828,7 +1828,7 @@
           <a:p>
             <a:fld id="{BEAF3131-2AB6-4B60-9FCF-7135CEFCF1B1}" type="datetimeFigureOut">
               <a:rPr lang="en-US" smtClean="0"/>
-              <a:t>4/7/2022</a:t>
+              <a:t>5/15/2023</a:t>
             </a:fld>
             <a:endParaRPr lang="en-US"/>
           </a:p>
@@ -2105,7 +2105,7 @@
           <a:p>
             <a:fld id="{BEAF3131-2AB6-4B60-9FCF-7135CEFCF1B1}" type="datetimeFigureOut">
               <a:rPr lang="en-US" smtClean="0"/>
-              <a:t>4/7/2022</a:t>
+              <a:t>5/15/2023</a:t>
             </a:fld>
             <a:endParaRPr lang="en-US"/>
           </a:p>
@@ -2358,7 +2358,7 @@
           <a:p>
             <a:fld id="{BEAF3131-2AB6-4B60-9FCF-7135CEFCF1B1}" type="datetimeFigureOut">
               <a:rPr lang="en-US" smtClean="0"/>
-              <a:t>4/7/2022</a:t>
+              <a:t>5/15/2023</a:t>
             </a:fld>
             <a:endParaRPr lang="en-US"/>
           </a:p>
@@ -2571,7 +2571,7 @@
           <a:p>
             <a:fld id="{BEAF3131-2AB6-4B60-9FCF-7135CEFCF1B1}" type="datetimeFigureOut">
               <a:rPr lang="en-US" smtClean="0"/>
-              <a:t>4/7/2022</a:t>
+              <a:t>5/15/2023</a:t>
             </a:fld>
             <a:endParaRPr lang="en-US"/>
           </a:p>
@@ -3851,7 +3851,7 @@
         </p:blipFill>
         <p:spPr>
           <a:xfrm>
-            <a:off x="676131" y="98425"/>
+            <a:off x="676131" y="70433"/>
             <a:ext cx="10980160" cy="6321280"/>
           </a:xfrm>
           <a:prstGeom prst="rect">
